--- a/docs/Figures_for_the_Notes_on_Simple_Predictors.pptx
+++ b/docs/Figures_for_the_Notes_on_Simple_Predictors.pptx
@@ -3759,10 +3759,10 @@
       </p:grpSpPr>
       <p:grpSp>
         <p:nvGrpSpPr>
-          <p:cNvPr id="57" name="Group 56">
+          <p:cNvPr id="62" name="Group 61">
             <a:extLst>
               <a:ext uri="{FF2B5EF4-FFF2-40B4-BE49-F238E27FC236}">
-                <a16:creationId xmlns:a16="http://schemas.microsoft.com/office/drawing/2014/main" id="{3EF947A6-7D42-A293-57A6-4C3A670C606B}"/>
+                <a16:creationId xmlns:a16="http://schemas.microsoft.com/office/drawing/2014/main" id="{ECED80F9-D9C5-1B4C-9A5D-EDB82414E498}"/>
               </a:ext>
             </a:extLst>
           </p:cNvPr>
@@ -3771,10 +3771,10 @@
         </p:nvGrpSpPr>
         <p:grpSpPr>
           <a:xfrm>
-            <a:off x="3813089" y="2135253"/>
-            <a:ext cx="4771853" cy="2073460"/>
-            <a:chOff x="3813089" y="2135253"/>
-            <a:chExt cx="4771853" cy="2073460"/>
+            <a:off x="3739138" y="2135253"/>
+            <a:ext cx="4845804" cy="2073460"/>
+            <a:chOff x="3739138" y="2135253"/>
+            <a:chExt cx="4845804" cy="2073460"/>
           </a:xfrm>
         </p:grpSpPr>
         <p:cxnSp>
@@ -4376,8 +4376,8 @@
           </p:nvSpPr>
           <p:spPr>
             <a:xfrm>
-              <a:off x="3813089" y="2366795"/>
-              <a:ext cx="574196" cy="230832"/>
+              <a:off x="3739138" y="2343447"/>
+              <a:ext cx="948502" cy="507831"/>
             </a:xfrm>
             <a:prstGeom prst="rect">
               <a:avLst/>
@@ -4385,14 +4385,14 @@
             <a:noFill/>
           </p:spPr>
           <p:txBody>
-            <a:bodyPr wrap="none" rtlCol="0">
+            <a:bodyPr wrap="square" rtlCol="0">
               <a:spAutoFit/>
             </a:bodyPr>
             <a:lstStyle/>
             <a:p>
               <a:r>
                 <a:rPr lang="en-US" sz="900" dirty="0"/>
-                <a:t>Origin A</a:t>
+                <a:t>Origin according to observer A</a:t>
               </a:r>
             </a:p>
           </p:txBody>
@@ -4411,8 +4411,8 @@
           </p:nvSpPr>
           <p:spPr>
             <a:xfrm>
-              <a:off x="4189849" y="3073988"/>
-              <a:ext cx="575799" cy="230832"/>
+              <a:off x="3849755" y="3027024"/>
+              <a:ext cx="807115" cy="507831"/>
             </a:xfrm>
             <a:prstGeom prst="rect">
               <a:avLst/>
@@ -4420,14 +4420,14 @@
             <a:noFill/>
           </p:spPr>
           <p:txBody>
-            <a:bodyPr wrap="none" rtlCol="0">
+            <a:bodyPr wrap="square" rtlCol="0">
               <a:spAutoFit/>
             </a:bodyPr>
             <a:lstStyle/>
             <a:p>
               <a:r>
                 <a:rPr lang="en-US" sz="900" dirty="0"/>
-                <a:t>Origin B</a:t>
+                <a:t>Origin according to observer B</a:t>
               </a:r>
             </a:p>
           </p:txBody>
@@ -5656,6 +5656,90 @@
             </a:p>
           </p:txBody>
         </p:sp>
+        <p:cxnSp>
+          <p:nvCxnSpPr>
+            <p:cNvPr id="59" name="Curved Connector 58">
+              <a:extLst>
+                <a:ext uri="{FF2B5EF4-FFF2-40B4-BE49-F238E27FC236}">
+                  <a16:creationId xmlns:a16="http://schemas.microsoft.com/office/drawing/2014/main" id="{0057FBBB-1E71-3B93-C7D1-2185C9EEB35A}"/>
+                </a:ext>
+              </a:extLst>
+            </p:cNvPr>
+            <p:cNvCxnSpPr/>
+            <p:nvPr/>
+          </p:nvCxnSpPr>
+          <p:spPr>
+            <a:xfrm flipV="1">
+              <a:off x="4403725" y="3115437"/>
+              <a:ext cx="416878" cy="70976"/>
+            </a:xfrm>
+            <a:prstGeom prst="curvedConnector3">
+              <a:avLst/>
+            </a:prstGeom>
+            <a:ln w="6350">
+              <a:solidFill>
+                <a:schemeClr val="tx1"/>
+              </a:solidFill>
+              <a:tailEnd type="triangle" w="sm" len="sm"/>
+            </a:ln>
+          </p:spPr>
+          <p:style>
+            <a:lnRef idx="2">
+              <a:schemeClr val="accent1"/>
+            </a:lnRef>
+            <a:fillRef idx="0">
+              <a:schemeClr val="accent1"/>
+            </a:fillRef>
+            <a:effectRef idx="1">
+              <a:schemeClr val="accent1"/>
+            </a:effectRef>
+            <a:fontRef idx="minor">
+              <a:schemeClr val="tx1"/>
+            </a:fontRef>
+          </p:style>
+        </p:cxnSp>
+        <p:cxnSp>
+          <p:nvCxnSpPr>
+            <p:cNvPr id="61" name="Curved Connector 60">
+              <a:extLst>
+                <a:ext uri="{FF2B5EF4-FFF2-40B4-BE49-F238E27FC236}">
+                  <a16:creationId xmlns:a16="http://schemas.microsoft.com/office/drawing/2014/main" id="{34C2B754-941E-A251-C493-235DDB8AAA7D}"/>
+                </a:ext>
+              </a:extLst>
+            </p:cNvPr>
+            <p:cNvCxnSpPr/>
+            <p:nvPr/>
+          </p:nvCxnSpPr>
+          <p:spPr>
+            <a:xfrm flipV="1">
+              <a:off x="4175125" y="2388870"/>
+              <a:ext cx="208942" cy="138800"/>
+            </a:xfrm>
+            <a:prstGeom prst="curvedConnector3">
+              <a:avLst/>
+            </a:prstGeom>
+            <a:ln w="6350">
+              <a:solidFill>
+                <a:schemeClr val="tx1"/>
+              </a:solidFill>
+              <a:tailEnd type="triangle" w="sm" len="sm"/>
+            </a:ln>
+          </p:spPr>
+          <p:style>
+            <a:lnRef idx="2">
+              <a:schemeClr val="accent1"/>
+            </a:lnRef>
+            <a:fillRef idx="0">
+              <a:schemeClr val="accent1"/>
+            </a:fillRef>
+            <a:effectRef idx="1">
+              <a:schemeClr val="accent1"/>
+            </a:effectRef>
+            <a:fontRef idx="minor">
+              <a:schemeClr val="tx1"/>
+            </a:fontRef>
+          </p:style>
+        </p:cxnSp>
       </p:grpSp>
     </p:spTree>
     <p:extLst>
